--- a/XMonkeys360/gRPC_Session5_20Jun2020/Documentation/gRPC_Service_Logging_ErrorHandling.pptx
+++ b/XMonkeys360/gRPC_Session5_20Jun2020/Documentation/gRPC_Service_Logging_ErrorHandling.pptx
@@ -221,7 +221,7 @@
           <a:p>
             <a:fld id="{289D7669-2C4F-4057-B198-13E596C98571}" type="datetimeFigureOut">
               <a:rPr lang="en-IN" smtClean="0"/>
-              <a:t>13-06-2020</a:t>
+              <a:t>20-06-2020</a:t>
             </a:fld>
             <a:endParaRPr lang="en-IN"/>
           </a:p>
@@ -638,7 +638,7 @@
           <a:p>
             <a:fld id="{AAAFDAC1-E73E-4D41-B9D9-D9AB5226AECC}" type="datetimeFigureOut">
               <a:rPr lang="en-IN" smtClean="0"/>
-              <a:t>13-06-2020</a:t>
+              <a:t>20-06-2020</a:t>
             </a:fld>
             <a:endParaRPr lang="en-IN"/>
           </a:p>
@@ -838,7 +838,7 @@
           <a:p>
             <a:fld id="{AAAFDAC1-E73E-4D41-B9D9-D9AB5226AECC}" type="datetimeFigureOut">
               <a:rPr lang="en-IN" smtClean="0"/>
-              <a:t>13-06-2020</a:t>
+              <a:t>20-06-2020</a:t>
             </a:fld>
             <a:endParaRPr lang="en-IN"/>
           </a:p>
@@ -1048,7 +1048,7 @@
           <a:p>
             <a:fld id="{AAAFDAC1-E73E-4D41-B9D9-D9AB5226AECC}" type="datetimeFigureOut">
               <a:rPr lang="en-IN" smtClean="0"/>
-              <a:t>13-06-2020</a:t>
+              <a:t>20-06-2020</a:t>
             </a:fld>
             <a:endParaRPr lang="en-IN"/>
           </a:p>
@@ -1248,7 +1248,7 @@
           <a:p>
             <a:fld id="{AAAFDAC1-E73E-4D41-B9D9-D9AB5226AECC}" type="datetimeFigureOut">
               <a:rPr lang="en-IN" smtClean="0"/>
-              <a:t>13-06-2020</a:t>
+              <a:t>20-06-2020</a:t>
             </a:fld>
             <a:endParaRPr lang="en-IN"/>
           </a:p>
@@ -1524,7 +1524,7 @@
           <a:p>
             <a:fld id="{AAAFDAC1-E73E-4D41-B9D9-D9AB5226AECC}" type="datetimeFigureOut">
               <a:rPr lang="en-IN" smtClean="0"/>
-              <a:t>13-06-2020</a:t>
+              <a:t>20-06-2020</a:t>
             </a:fld>
             <a:endParaRPr lang="en-IN"/>
           </a:p>
@@ -1792,7 +1792,7 @@
           <a:p>
             <a:fld id="{AAAFDAC1-E73E-4D41-B9D9-D9AB5226AECC}" type="datetimeFigureOut">
               <a:rPr lang="en-IN" smtClean="0"/>
-              <a:t>13-06-2020</a:t>
+              <a:t>20-06-2020</a:t>
             </a:fld>
             <a:endParaRPr lang="en-IN"/>
           </a:p>
@@ -2207,7 +2207,7 @@
           <a:p>
             <a:fld id="{AAAFDAC1-E73E-4D41-B9D9-D9AB5226AECC}" type="datetimeFigureOut">
               <a:rPr lang="en-IN" smtClean="0"/>
-              <a:t>13-06-2020</a:t>
+              <a:t>20-06-2020</a:t>
             </a:fld>
             <a:endParaRPr lang="en-IN"/>
           </a:p>
@@ -2349,7 +2349,7 @@
           <a:p>
             <a:fld id="{AAAFDAC1-E73E-4D41-B9D9-D9AB5226AECC}" type="datetimeFigureOut">
               <a:rPr lang="en-IN" smtClean="0"/>
-              <a:t>13-06-2020</a:t>
+              <a:t>20-06-2020</a:t>
             </a:fld>
             <a:endParaRPr lang="en-IN"/>
           </a:p>
@@ -2462,7 +2462,7 @@
           <a:p>
             <a:fld id="{AAAFDAC1-E73E-4D41-B9D9-D9AB5226AECC}" type="datetimeFigureOut">
               <a:rPr lang="en-IN" smtClean="0"/>
-              <a:t>13-06-2020</a:t>
+              <a:t>20-06-2020</a:t>
             </a:fld>
             <a:endParaRPr lang="en-IN"/>
           </a:p>
@@ -2775,7 +2775,7 @@
           <a:p>
             <a:fld id="{AAAFDAC1-E73E-4D41-B9D9-D9AB5226AECC}" type="datetimeFigureOut">
               <a:rPr lang="en-IN" smtClean="0"/>
-              <a:t>13-06-2020</a:t>
+              <a:t>20-06-2020</a:t>
             </a:fld>
             <a:endParaRPr lang="en-IN"/>
           </a:p>
@@ -3064,7 +3064,7 @@
           <a:p>
             <a:fld id="{AAAFDAC1-E73E-4D41-B9D9-D9AB5226AECC}" type="datetimeFigureOut">
               <a:rPr lang="en-IN" smtClean="0"/>
-              <a:t>13-06-2020</a:t>
+              <a:t>20-06-2020</a:t>
             </a:fld>
             <a:endParaRPr lang="en-IN"/>
           </a:p>
@@ -3307,7 +3307,7 @@
           <a:p>
             <a:fld id="{AAAFDAC1-E73E-4D41-B9D9-D9AB5226AECC}" type="datetimeFigureOut">
               <a:rPr lang="en-IN" smtClean="0"/>
-              <a:t>13-06-2020</a:t>
+              <a:t>20-06-2020</a:t>
             </a:fld>
             <a:endParaRPr lang="en-IN"/>
           </a:p>
@@ -6743,8 +6743,25 @@
                 <a:latin typeface="Verdana" panose="020B0604030504040204" pitchFamily="34" charset="0"/>
                 <a:ea typeface="Verdana" panose="020B0604030504040204" pitchFamily="34" charset="0"/>
               </a:rPr>
-              <a:t> Today is session 4.</a:t>
-            </a:r>
+              <a:t> Today is </a:t>
+            </a:r>
+            <a:r>
+              <a:rPr lang="en-US" sz="2000">
+                <a:solidFill>
+                  <a:srgbClr val="002060"/>
+                </a:solidFill>
+                <a:latin typeface="Verdana" panose="020B0604030504040204" pitchFamily="34" charset="0"/>
+                <a:ea typeface="Verdana" panose="020B0604030504040204" pitchFamily="34" charset="0"/>
+              </a:rPr>
+              <a:t>session 5.</a:t>
+            </a:r>
+            <a:endParaRPr lang="en-US" sz="2000" dirty="0">
+              <a:solidFill>
+                <a:srgbClr val="002060"/>
+              </a:solidFill>
+              <a:latin typeface="Verdana" panose="020B0604030504040204" pitchFamily="34" charset="0"/>
+              <a:ea typeface="Verdana" panose="020B0604030504040204" pitchFamily="34" charset="0"/>
+            </a:endParaRPr>
           </a:p>
           <a:p>
             <a:pPr marL="628650" lvl="1" indent="-171450">
